--- a/@data/presentation.pptx
+++ b/@data/presentation.pptx
@@ -10,11 +10,12 @@
     <p:sldId id="265" r:id="rId4"/>
     <p:sldId id="258" r:id="rId5"/>
     <p:sldId id="259" r:id="rId6"/>
-    <p:sldId id="262" r:id="rId7"/>
-    <p:sldId id="261" r:id="rId8"/>
-    <p:sldId id="263" r:id="rId9"/>
-    <p:sldId id="266" r:id="rId10"/>
-    <p:sldId id="260" r:id="rId11"/>
+    <p:sldId id="267" r:id="rId7"/>
+    <p:sldId id="262" r:id="rId8"/>
+    <p:sldId id="261" r:id="rId9"/>
+    <p:sldId id="263" r:id="rId10"/>
+    <p:sldId id="266" r:id="rId11"/>
+    <p:sldId id="260" r:id="rId12"/>
   </p:sldIdLst>
   <p:sldSz cx="9144000" cy="6858000" type="screen4x3"/>
   <p:notesSz cx="6858000" cy="9144000"/>
@@ -297,7 +298,7 @@
           <a:p>
             <a:fld id="{2558D052-82CF-4D79-9362-916C9421F57F}" type="datetimeFigureOut">
               <a:rPr kumimoji="1" lang="ja-JP" altLang="en-US" smtClean="0"/>
-              <a:t>2014/1/28</a:t>
+              <a:t>2014/1/29</a:t>
             </a:fld>
             <a:endParaRPr kumimoji="1" lang="ja-JP" altLang="en-US"/>
           </a:p>
@@ -499,7 +500,7 @@
           <a:p>
             <a:fld id="{2558D052-82CF-4D79-9362-916C9421F57F}" type="datetimeFigureOut">
               <a:rPr kumimoji="1" lang="ja-JP" altLang="en-US" smtClean="0"/>
-              <a:t>2014/1/28</a:t>
+              <a:t>2014/1/29</a:t>
             </a:fld>
             <a:endParaRPr kumimoji="1" lang="ja-JP" altLang="en-US"/>
           </a:p>
@@ -711,7 +712,7 @@
           <a:p>
             <a:fld id="{2558D052-82CF-4D79-9362-916C9421F57F}" type="datetimeFigureOut">
               <a:rPr kumimoji="1" lang="ja-JP" altLang="en-US" smtClean="0"/>
-              <a:t>2014/1/28</a:t>
+              <a:t>2014/1/29</a:t>
             </a:fld>
             <a:endParaRPr kumimoji="1" lang="ja-JP" altLang="en-US"/>
           </a:p>
@@ -913,7 +914,7 @@
           <a:p>
             <a:fld id="{2558D052-82CF-4D79-9362-916C9421F57F}" type="datetimeFigureOut">
               <a:rPr kumimoji="1" lang="ja-JP" altLang="en-US" smtClean="0"/>
-              <a:t>2014/1/28</a:t>
+              <a:t>2014/1/29</a:t>
             </a:fld>
             <a:endParaRPr kumimoji="1" lang="ja-JP" altLang="en-US"/>
           </a:p>
@@ -1159,7 +1160,7 @@
           <a:p>
             <a:fld id="{2558D052-82CF-4D79-9362-916C9421F57F}" type="datetimeFigureOut">
               <a:rPr kumimoji="1" lang="ja-JP" altLang="en-US" smtClean="0"/>
-              <a:t>2014/1/28</a:t>
+              <a:t>2014/1/29</a:t>
             </a:fld>
             <a:endParaRPr kumimoji="1" lang="ja-JP" altLang="en-US"/>
           </a:p>
@@ -1511,7 +1512,7 @@
           <a:p>
             <a:fld id="{2558D052-82CF-4D79-9362-916C9421F57F}" type="datetimeFigureOut">
               <a:rPr kumimoji="1" lang="ja-JP" altLang="en-US" smtClean="0"/>
-              <a:t>2014/1/28</a:t>
+              <a:t>2014/1/29</a:t>
             </a:fld>
             <a:endParaRPr kumimoji="1" lang="ja-JP" altLang="en-US"/>
           </a:p>
@@ -1997,7 +1998,7 @@
           <a:p>
             <a:fld id="{2558D052-82CF-4D79-9362-916C9421F57F}" type="datetimeFigureOut">
               <a:rPr kumimoji="1" lang="ja-JP" altLang="en-US" smtClean="0"/>
-              <a:t>2014/1/28</a:t>
+              <a:t>2014/1/29</a:t>
             </a:fld>
             <a:endParaRPr kumimoji="1" lang="ja-JP" altLang="en-US"/>
           </a:p>
@@ -2115,7 +2116,7 @@
           <a:p>
             <a:fld id="{2558D052-82CF-4D79-9362-916C9421F57F}" type="datetimeFigureOut">
               <a:rPr kumimoji="1" lang="ja-JP" altLang="en-US" smtClean="0"/>
-              <a:t>2014/1/28</a:t>
+              <a:t>2014/1/29</a:t>
             </a:fld>
             <a:endParaRPr kumimoji="1" lang="ja-JP" altLang="en-US"/>
           </a:p>
@@ -2210,7 +2211,7 @@
           <a:p>
             <a:fld id="{2558D052-82CF-4D79-9362-916C9421F57F}" type="datetimeFigureOut">
               <a:rPr kumimoji="1" lang="ja-JP" altLang="en-US" smtClean="0"/>
-              <a:t>2014/1/28</a:t>
+              <a:t>2014/1/29</a:t>
             </a:fld>
             <a:endParaRPr kumimoji="1" lang="ja-JP" altLang="en-US"/>
           </a:p>
@@ -2519,7 +2520,7 @@
           <a:p>
             <a:fld id="{2558D052-82CF-4D79-9362-916C9421F57F}" type="datetimeFigureOut">
               <a:rPr kumimoji="1" lang="ja-JP" altLang="en-US" smtClean="0"/>
-              <a:t>2014/1/28</a:t>
+              <a:t>2014/1/29</a:t>
             </a:fld>
             <a:endParaRPr kumimoji="1" lang="ja-JP" altLang="en-US"/>
           </a:p>
@@ -2772,7 +2773,7 @@
           <a:p>
             <a:fld id="{2558D052-82CF-4D79-9362-916C9421F57F}" type="datetimeFigureOut">
               <a:rPr kumimoji="1" lang="ja-JP" altLang="en-US" smtClean="0"/>
-              <a:t>2014/1/28</a:t>
+              <a:t>2014/1/29</a:t>
             </a:fld>
             <a:endParaRPr kumimoji="1" lang="ja-JP" altLang="en-US"/>
           </a:p>
@@ -3017,7 +3018,7 @@
           <a:p>
             <a:fld id="{2558D052-82CF-4D79-9362-916C9421F57F}" type="datetimeFigureOut">
               <a:rPr kumimoji="1" lang="ja-JP" altLang="en-US" smtClean="0"/>
-              <a:t>2014/1/28</a:t>
+              <a:t>2014/1/29</a:t>
             </a:fld>
             <a:endParaRPr kumimoji="1" lang="ja-JP" altLang="en-US"/>
           </a:p>
@@ -3477,6 +3478,82 @@
       </p:grpSpPr>
       <p:sp>
         <p:nvSpPr>
+          <p:cNvPr id="4" name="タイトル 3"/>
+          <p:cNvSpPr>
+            <a:spLocks noGrp="1"/>
+          </p:cNvSpPr>
+          <p:nvPr>
+            <p:ph type="ctrTitle"/>
+          </p:nvPr>
+        </p:nvSpPr>
+        <p:spPr/>
+        <p:txBody>
+          <a:bodyPr/>
+          <a:lstStyle/>
+          <a:p>
+            <a:r>
+              <a:rPr lang="ja-JP" altLang="en-US" dirty="0" smtClean="0"/>
+              <a:t>課題</a:t>
+            </a:r>
+            <a:r>
+              <a:rPr lang="en-US" altLang="ja-JP" dirty="0" smtClean="0"/>
+              <a:t>2</a:t>
+            </a:r>
+            <a:endParaRPr kumimoji="1" lang="ja-JP" altLang="en-US" dirty="0"/>
+          </a:p>
+        </p:txBody>
+      </p:sp>
+      <p:sp>
+        <p:nvSpPr>
+          <p:cNvPr id="5" name="サブタイトル 4"/>
+          <p:cNvSpPr>
+            <a:spLocks noGrp="1"/>
+          </p:cNvSpPr>
+          <p:nvPr>
+            <p:ph type="subTitle" idx="1"/>
+          </p:nvPr>
+        </p:nvSpPr>
+        <p:spPr/>
+        <p:txBody>
+          <a:bodyPr/>
+          <a:lstStyle/>
+          <a:p>
+            <a:endParaRPr kumimoji="1" lang="ja-JP" altLang="en-US"/>
+          </a:p>
+        </p:txBody>
+      </p:sp>
+    </p:spTree>
+    <p:extLst>
+      <p:ext uri="{BB962C8B-B14F-4D97-AF65-F5344CB8AC3E}">
+        <p14:creationId xmlns:p14="http://schemas.microsoft.com/office/powerpoint/2010/main" val="2389672951"/>
+      </p:ext>
+    </p:extLst>
+  </p:cSld>
+  <p:clrMapOvr>
+    <a:masterClrMapping/>
+  </p:clrMapOvr>
+</p:sld>
+</file>
+
+<file path=ppt/slides/slide11.xml><?xml version="1.0" encoding="utf-8"?>
+<p:sld xmlns:a="http://schemas.openxmlformats.org/drawingml/2006/main" xmlns:r="http://schemas.openxmlformats.org/officeDocument/2006/relationships" xmlns:p="http://schemas.openxmlformats.org/presentationml/2006/main">
+  <p:cSld>
+    <p:spTree>
+      <p:nvGrpSpPr>
+        <p:cNvPr id="1" name=""/>
+        <p:cNvGrpSpPr/>
+        <p:nvPr/>
+      </p:nvGrpSpPr>
+      <p:grpSpPr>
+        <a:xfrm>
+          <a:off x="0" y="0"/>
+          <a:ext cx="0" cy="0"/>
+          <a:chOff x="0" y="0"/>
+          <a:chExt cx="0" cy="0"/>
+        </a:xfrm>
+      </p:grpSpPr>
+      <p:sp>
+        <p:nvSpPr>
           <p:cNvPr id="2" name="タイトル 1"/>
           <p:cNvSpPr>
             <a:spLocks noGrp="1"/>
@@ -3615,7 +3692,9 @@
         </p:nvSpPr>
         <p:spPr/>
         <p:txBody>
-          <a:bodyPr/>
+          <a:bodyPr>
+            <a:normAutofit fontScale="92500" lnSpcReduction="10000"/>
+          </a:bodyPr>
           <a:lstStyle/>
           <a:p>
             <a:r>
@@ -3653,6 +3732,26 @@
               <a:rPr lang="ja-JP" altLang="en-US" dirty="0" smtClean="0"/>
               <a:t>アルゴリズムの精緻化</a:t>
             </a:r>
+            <a:endParaRPr lang="en-US" altLang="ja-JP" dirty="0" smtClean="0"/>
+          </a:p>
+          <a:p>
+            <a:pPr lvl="2"/>
+            <a:r>
+              <a:rPr lang="ja-JP" altLang="en-US" dirty="0" smtClean="0"/>
+              <a:t>順位情報の重みづけ</a:t>
+            </a:r>
+            <a:endParaRPr lang="en-US" altLang="ja-JP" dirty="0" smtClean="0"/>
+          </a:p>
+          <a:p>
+            <a:pPr lvl="2"/>
+            <a:r>
+              <a:rPr lang="ja-JP" altLang="en-US" dirty="0" smtClean="0"/>
+              <a:t>被験者との距離の重み付け</a:t>
+            </a:r>
+            <a:endParaRPr lang="en-US" altLang="ja-JP" dirty="0" smtClean="0"/>
+          </a:p>
+          <a:p>
+            <a:pPr lvl="2"/>
             <a:endParaRPr lang="en-US" altLang="ja-JP" dirty="0" smtClean="0"/>
           </a:p>
           <a:p>
@@ -4100,7 +4199,11 @@
           <a:bodyPr/>
           <a:lstStyle/>
           <a:p>
-            <a:endParaRPr kumimoji="1" lang="ja-JP" altLang="en-US"/>
+            <a:r>
+              <a:rPr kumimoji="1" lang="ja-JP" altLang="en-US" dirty="0" smtClean="0"/>
+              <a:t>アルゴリズムの精緻化</a:t>
+            </a:r>
+            <a:endParaRPr kumimoji="1" lang="ja-JP" altLang="en-US" dirty="0"/>
           </a:p>
         </p:txBody>
       </p:sp>
@@ -4120,8 +4223,15 @@
           <a:lstStyle/>
           <a:p>
             <a:r>
+              <a:rPr kumimoji="1" lang="ja-JP" altLang="en-US" dirty="0" smtClean="0"/>
+              <a:t>順位情報に重みをつける</a:t>
+            </a:r>
+            <a:endParaRPr kumimoji="1" lang="en-US" altLang="ja-JP" dirty="0" smtClean="0"/>
+          </a:p>
+          <a:p>
+            <a:r>
               <a:rPr lang="ja-JP" altLang="en-US" dirty="0" smtClean="0"/>
-              <a:t>順位の情報はどれも等しい影響力なのか</a:t>
+              <a:t>より近い嗜好を持った人の影響力を高める</a:t>
             </a:r>
             <a:endParaRPr lang="en-US" altLang="ja-JP" dirty="0" smtClean="0"/>
           </a:p>
@@ -4130,17 +4240,24 @@
               <a:buNone/>
             </a:pPr>
             <a:r>
-              <a:rPr lang="ja-JP" altLang="en-US" dirty="0" smtClean="0"/>
-              <a:t>寿司ネタの順位の回答方法は、上位のものは特に好むものであり、下位のものはいわゆる「余りもの」的であって影響力が小さいと仮定して、順位が上位であるものは特に強く平均の計算に影響を及ぼすようにし、下位であるものは影響が小さくなるよう順位情報を変換する。</a:t>
-            </a:r>
-            <a:endParaRPr lang="en-US" altLang="ja-JP" dirty="0" smtClean="0"/>
+              <a:rPr kumimoji="1" lang="ja-JP" altLang="en-US" dirty="0"/>
+              <a:t>と</a:t>
+            </a:r>
+            <a:r>
+              <a:rPr kumimoji="1" lang="ja-JP" altLang="en-US" dirty="0" smtClean="0"/>
+              <a:t>いう二つの手法により考える。</a:t>
+            </a:r>
+            <a:endParaRPr kumimoji="1" lang="en-US" altLang="ja-JP" dirty="0" smtClean="0"/>
+          </a:p>
+          <a:p>
+            <a:endParaRPr kumimoji="1" lang="ja-JP" altLang="en-US" dirty="0"/>
           </a:p>
         </p:txBody>
       </p:sp>
     </p:spTree>
     <p:extLst>
       <p:ext uri="{BB962C8B-B14F-4D97-AF65-F5344CB8AC3E}">
-        <p14:creationId xmlns:p14="http://schemas.microsoft.com/office/powerpoint/2010/main" val="786182686"/>
+        <p14:creationId xmlns:p14="http://schemas.microsoft.com/office/powerpoint/2010/main" val="3051841609"/>
       </p:ext>
     </p:extLst>
   </p:cSld>
@@ -4179,10 +4296,20 @@
         </p:nvSpPr>
         <p:spPr/>
         <p:txBody>
-          <a:bodyPr/>
-          <a:lstStyle/>
-          <a:p>
-            <a:endParaRPr kumimoji="1" lang="ja-JP" altLang="en-US"/>
+          <a:bodyPr>
+            <a:normAutofit fontScale="90000"/>
+          </a:bodyPr>
+          <a:lstStyle/>
+          <a:p>
+            <a:r>
+              <a:rPr lang="ja-JP" altLang="en-US" dirty="0"/>
+              <a:t>順位の情報はどれも等しい</a:t>
+            </a:r>
+            <a:r>
+              <a:rPr lang="ja-JP" altLang="en-US" dirty="0" smtClean="0"/>
+              <a:t>影響力か</a:t>
+            </a:r>
+            <a:endParaRPr kumimoji="1" lang="ja-JP" altLang="en-US" dirty="0"/>
           </a:p>
         </p:txBody>
       </p:sp>
@@ -4196,76 +4323,52 @@
             <p:ph idx="1"/>
           </p:nvPr>
         </p:nvSpPr>
-        <p:spPr/>
-        <p:txBody>
-          <a:bodyPr/>
-          <a:lstStyle/>
-          <a:p>
-            <a:r>
-              <a:rPr kumimoji="1" lang="ja-JP" altLang="en-US" dirty="0" smtClean="0"/>
-              <a:t>平均を計算する際に、より近い嗜好を持った人の影響力を高めたい。</a:t>
-            </a:r>
-            <a:endParaRPr kumimoji="1" lang="en-US" altLang="ja-JP" dirty="0" smtClean="0"/>
-          </a:p>
+        <p:spPr>
+          <a:xfrm>
+            <a:off x="457200" y="1600200"/>
+            <a:ext cx="8229600" cy="5069160"/>
+          </a:xfrm>
+        </p:spPr>
+        <p:txBody>
+          <a:bodyPr/>
+          <a:lstStyle/>
           <a:p>
             <a:pPr marL="0" indent="0">
               <a:buNone/>
             </a:pPr>
             <a:r>
               <a:rPr lang="ja-JP" altLang="en-US" dirty="0" smtClean="0"/>
-              <a:t>クラスター内の各個人の被験者との距離を計算し、距離が近い人の順位平均計算における影響力を強くするために、距離</a:t>
-            </a:r>
+              <a:t>寿司ネタの順位の回答方法は、上位のものは特に好むものであり、下位のものはいわゆる「余りもの」的であって影響力が小さいと仮定して、順位が上位であるものは特に強く平均の計算に影響を及ぼすようにし、下位であるものは影響が小さくなるように</a:t>
+            </a:r>
+            <a:r>
+              <a:rPr lang="ja-JP" altLang="en-US" dirty="0"/>
+              <a:t>一定</a:t>
+            </a:r>
+            <a:r>
+              <a:rPr lang="ja-JP" altLang="en-US" dirty="0" smtClean="0"/>
+              <a:t>のルールで順位情報をポイントに変換する。</a:t>
+            </a:r>
+            <a:endParaRPr lang="en-US" altLang="ja-JP" dirty="0" smtClean="0"/>
+          </a:p>
+          <a:p>
             <a:r>
               <a:rPr lang="en-US" altLang="ja-JP" dirty="0" smtClean="0"/>
-              <a:t>d</a:t>
+              <a:t>100,90,80,70,…</a:t>
             </a:r>
             <a:r>
               <a:rPr lang="ja-JP" altLang="en-US" dirty="0" smtClean="0"/>
-              <a:t>を</a:t>
-            </a:r>
+              <a:t>の直線ルールと</a:t>
+            </a:r>
+            <a:endParaRPr lang="en-US" altLang="ja-JP" dirty="0" smtClean="0"/>
+          </a:p>
+          <a:p>
             <a:r>
               <a:rPr lang="en-US" altLang="ja-JP" dirty="0" smtClean="0"/>
-              <a:t>-</a:t>
-            </a:r>
-            <a:r>
-              <a:rPr lang="en-US" altLang="ja-JP" dirty="0" err="1" smtClean="0"/>
-              <a:t>ln</a:t>
-            </a:r>
-            <a:r>
-              <a:rPr lang="en-US" altLang="ja-JP" dirty="0" smtClean="0"/>
-              <a:t>(x)</a:t>
+              <a:t>100,81,64,49,36,…</a:t>
             </a:r>
             <a:r>
               <a:rPr lang="ja-JP" altLang="en-US" dirty="0" smtClean="0"/>
-              <a:t>に代入して、</a:t>
-            </a:r>
-            <a:r>
-              <a:rPr lang="en-US" altLang="ja-JP" dirty="0" smtClean="0">
-                <a:solidFill>
-                  <a:srgbClr val="FF0000"/>
-                </a:solidFill>
-              </a:rPr>
-              <a:t>-</a:t>
-            </a:r>
-            <a:r>
-              <a:rPr lang="en-US" altLang="ja-JP" dirty="0" err="1" smtClean="0">
-                <a:solidFill>
-                  <a:srgbClr val="FF0000"/>
-                </a:solidFill>
-              </a:rPr>
-              <a:t>ln</a:t>
-            </a:r>
-            <a:r>
-              <a:rPr lang="en-US" altLang="ja-JP" dirty="0" smtClean="0">
-                <a:solidFill>
-                  <a:srgbClr val="FF0000"/>
-                </a:solidFill>
-              </a:rPr>
-              <a:t>(d)</a:t>
-            </a:r>
-            <a:r>
-              <a:rPr lang="ja-JP" altLang="en-US" dirty="0" smtClean="0"/>
-              <a:t>を各個人の回答のポイントにかける。</a:t>
+              <a:t>の二次関数ルール</a:t>
             </a:r>
             <a:endParaRPr lang="en-US" altLang="ja-JP" dirty="0" smtClean="0"/>
           </a:p>
@@ -4274,7 +4377,7 @@
     </p:spTree>
     <p:extLst>
       <p:ext uri="{BB962C8B-B14F-4D97-AF65-F5344CB8AC3E}">
-        <p14:creationId xmlns:p14="http://schemas.microsoft.com/office/powerpoint/2010/main" val="3147454244"/>
+        <p14:creationId xmlns:p14="http://schemas.microsoft.com/office/powerpoint/2010/main" val="786182686"/>
       </p:ext>
     </p:extLst>
   </p:cSld>
@@ -4311,12 +4414,34 @@
             <p:ph type="title"/>
           </p:nvPr>
         </p:nvSpPr>
-        <p:spPr/>
-        <p:txBody>
-          <a:bodyPr/>
-          <a:lstStyle/>
-          <a:p>
-            <a:endParaRPr kumimoji="1" lang="ja-JP" altLang="en-US"/>
+        <p:spPr>
+          <a:xfrm>
+            <a:off x="467544" y="548680"/>
+            <a:ext cx="8229600" cy="1143000"/>
+          </a:xfrm>
+        </p:spPr>
+        <p:txBody>
+          <a:bodyPr>
+            <a:normAutofit fontScale="90000"/>
+          </a:bodyPr>
+          <a:lstStyle/>
+          <a:p>
+            <a:r>
+              <a:rPr lang="ja-JP" altLang="en-US" dirty="0"/>
+              <a:t>より近い嗜好を持った人の影響力を</a:t>
+            </a:r>
+            <a:r>
+              <a:rPr lang="ja-JP" altLang="en-US" dirty="0" smtClean="0"/>
+              <a:t>高める</a:t>
+            </a:r>
+            <a:r>
+              <a:rPr lang="en-US" altLang="ja-JP" dirty="0"/>
+              <a:t/>
+            </a:r>
+            <a:br>
+              <a:rPr lang="en-US" altLang="ja-JP" dirty="0"/>
+            </a:br>
+            <a:endParaRPr kumimoji="1" lang="ja-JP" altLang="en-US" dirty="0"/>
           </a:p>
         </p:txBody>
       </p:sp>
@@ -4330,37 +4455,109 @@
             <p:ph idx="1"/>
           </p:nvPr>
         </p:nvSpPr>
-        <p:spPr/>
-        <p:txBody>
-          <a:bodyPr/>
-          <a:lstStyle/>
-          <a:p>
-            <a:r>
-              <a:rPr kumimoji="1" lang="ja-JP" altLang="en-US" dirty="0" smtClean="0"/>
-              <a:t>精度の検証はホールドアウト検定により行った。</a:t>
-            </a:r>
-            <a:endParaRPr kumimoji="1" lang="en-US" altLang="ja-JP" dirty="0" smtClean="0"/>
-          </a:p>
-          <a:p>
+        <p:spPr>
+          <a:xfrm>
+            <a:off x="457200" y="1600200"/>
+            <a:ext cx="8229600" cy="5069160"/>
+          </a:xfrm>
+        </p:spPr>
+        <p:txBody>
+          <a:bodyPr>
+            <a:normAutofit lnSpcReduction="10000"/>
+          </a:bodyPr>
+          <a:lstStyle/>
+          <a:p>
+            <a:pPr marL="0" indent="0">
+              <a:buNone/>
+            </a:pPr>
             <a:r>
               <a:rPr lang="ja-JP" altLang="en-US" dirty="0" smtClean="0"/>
-              <a:t>結果、</a:t>
+              <a:t>クラスター内の各個人の被験者との</a:t>
+            </a:r>
+            <a:r>
+              <a:rPr lang="ja-JP" altLang="en-US" dirty="0" smtClean="0"/>
+              <a:t>距離を</a:t>
+            </a:r>
+            <a:r>
+              <a:rPr lang="ja-JP" altLang="en-US" dirty="0" smtClean="0"/>
+              <a:t>計算し、距離が近い人の順位平均計算における影響力を強くするために、</a:t>
+            </a:r>
+            <a:endParaRPr lang="en-US" altLang="ja-JP" dirty="0" smtClean="0"/>
+          </a:p>
+          <a:p>
+            <a:r>
+              <a:rPr lang="ja-JP" altLang="en-US" dirty="0" smtClean="0"/>
+              <a:t>距離</a:t>
             </a:r>
             <a:r>
               <a:rPr lang="en-US" altLang="ja-JP" dirty="0" smtClean="0"/>
-              <a:t>k-means</a:t>
+              <a:t>d</a:t>
             </a:r>
             <a:r>
               <a:rPr lang="ja-JP" altLang="en-US" dirty="0" smtClean="0"/>
-              <a:t>法による予想では約</a:t>
+              <a:t>を</a:t>
             </a:r>
             <a:r>
               <a:rPr lang="en-US" altLang="ja-JP" dirty="0" smtClean="0"/>
-              <a:t>16%</a:t>
+              <a:t>-</a:t>
+            </a:r>
+            <a:r>
+              <a:rPr lang="en-US" altLang="ja-JP" dirty="0" err="1" smtClean="0"/>
+              <a:t>ln</a:t>
+            </a:r>
+            <a:r>
+              <a:rPr lang="en-US" altLang="ja-JP" dirty="0" smtClean="0"/>
+              <a:t>(x)</a:t>
             </a:r>
             <a:r>
               <a:rPr lang="ja-JP" altLang="en-US" dirty="0" smtClean="0"/>
-              <a:t>ほどの精度が期待できた。</a:t>
+              <a:t>に代入して、</a:t>
+            </a:r>
+            <a:r>
+              <a:rPr lang="en-US" altLang="ja-JP" dirty="0" smtClean="0"/>
+              <a:t>-</a:t>
+            </a:r>
+            <a:r>
+              <a:rPr lang="en-US" altLang="ja-JP" dirty="0" err="1" smtClean="0"/>
+              <a:t>ln</a:t>
+            </a:r>
+            <a:r>
+              <a:rPr lang="en-US" altLang="ja-JP" dirty="0" smtClean="0"/>
+              <a:t>(d)</a:t>
+            </a:r>
+            <a:r>
+              <a:rPr lang="ja-JP" altLang="en-US" dirty="0" smtClean="0"/>
+              <a:t>を先ほど計算した各個人の回答のポイントにかける。</a:t>
+            </a:r>
+            <a:endParaRPr lang="en-US" altLang="ja-JP" dirty="0" smtClean="0"/>
+          </a:p>
+          <a:p>
+            <a:r>
+              <a:rPr lang="ja-JP" altLang="en-US" dirty="0" smtClean="0"/>
+              <a:t>距離</a:t>
+            </a:r>
+            <a:r>
+              <a:rPr lang="en-US" altLang="ja-JP" dirty="0" smtClean="0"/>
+              <a:t>d</a:t>
+            </a:r>
+            <a:r>
+              <a:rPr lang="ja-JP" altLang="en-US" dirty="0" smtClean="0"/>
+              <a:t>の逆数をとり、各個人の回答のポイントに</a:t>
+            </a:r>
+            <a:r>
+              <a:rPr lang="ja-JP" altLang="en-US" dirty="0" smtClean="0"/>
+              <a:t>かける</a:t>
+            </a:r>
+            <a:endParaRPr lang="en-US" altLang="ja-JP" dirty="0" smtClean="0"/>
+          </a:p>
+          <a:p>
+            <a:r>
+              <a:rPr lang="ja-JP" altLang="en-US" dirty="0"/>
+              <a:t>距離</a:t>
+            </a:r>
+            <a:r>
+              <a:rPr lang="ja-JP" altLang="en-US" dirty="0" smtClean="0"/>
+              <a:t>の計算方法はキャンベラ距離を用いた。（様々な距離尺度を試した結果一番精度がよかったため）</a:t>
             </a:r>
             <a:endParaRPr lang="en-US" altLang="ja-JP" dirty="0" smtClean="0"/>
           </a:p>
@@ -4369,7 +4566,7 @@
     </p:spTree>
     <p:extLst>
       <p:ext uri="{BB962C8B-B14F-4D97-AF65-F5344CB8AC3E}">
-        <p14:creationId xmlns:p14="http://schemas.microsoft.com/office/powerpoint/2010/main" val="1544633099"/>
+        <p14:creationId xmlns:p14="http://schemas.microsoft.com/office/powerpoint/2010/main" val="3147454244"/>
       </p:ext>
     </p:extLst>
   </p:cSld>
@@ -4398,54 +4595,113 @@
       </p:grpSpPr>
       <p:sp>
         <p:nvSpPr>
-          <p:cNvPr id="4" name="タイトル 3"/>
-          <p:cNvSpPr>
-            <a:spLocks noGrp="1"/>
-          </p:cNvSpPr>
-          <p:nvPr>
-            <p:ph type="ctrTitle"/>
-          </p:nvPr>
-        </p:nvSpPr>
-        <p:spPr/>
-        <p:txBody>
-          <a:bodyPr/>
-          <a:lstStyle/>
+          <p:cNvPr id="2" name="タイトル 1"/>
+          <p:cNvSpPr>
+            <a:spLocks noGrp="1"/>
+          </p:cNvSpPr>
+          <p:nvPr>
+            <p:ph type="title"/>
+          </p:nvPr>
+        </p:nvSpPr>
+        <p:spPr/>
+        <p:txBody>
+          <a:bodyPr/>
+          <a:lstStyle/>
+          <a:p>
+            <a:r>
+              <a:rPr kumimoji="1" lang="ja-JP" altLang="en-US" dirty="0" smtClean="0"/>
+              <a:t>結果</a:t>
+            </a:r>
+            <a:endParaRPr kumimoji="1" lang="ja-JP" altLang="en-US" dirty="0"/>
+          </a:p>
+        </p:txBody>
+      </p:sp>
+      <p:sp>
+        <p:nvSpPr>
+          <p:cNvPr id="3" name="コンテンツ プレースホルダー 2"/>
+          <p:cNvSpPr>
+            <a:spLocks noGrp="1"/>
+          </p:cNvSpPr>
+          <p:nvPr>
+            <p:ph idx="1"/>
+          </p:nvPr>
+        </p:nvSpPr>
+        <p:spPr>
+          <a:xfrm>
+            <a:off x="457200" y="1600200"/>
+            <a:ext cx="8229600" cy="5141168"/>
+          </a:xfrm>
+        </p:spPr>
+        <p:txBody>
+          <a:bodyPr/>
+          <a:lstStyle/>
+          <a:p>
+            <a:r>
+              <a:rPr kumimoji="1" lang="ja-JP" altLang="en-US" dirty="0" smtClean="0"/>
+              <a:t>精度の検証はホールドアウト検定により行った。</a:t>
+            </a:r>
+            <a:endParaRPr kumimoji="1" lang="en-US" altLang="ja-JP" dirty="0" smtClean="0"/>
+          </a:p>
           <a:p>
             <a:r>
               <a:rPr lang="ja-JP" altLang="en-US" dirty="0" smtClean="0"/>
-              <a:t>課題</a:t>
+              <a:t>結果、</a:t>
+            </a:r>
+            <a:r>
+              <a:rPr lang="en-US" altLang="ja-JP" dirty="0" smtClean="0"/>
+              <a:t>k-means</a:t>
+            </a:r>
+            <a:r>
+              <a:rPr lang="ja-JP" altLang="en-US" dirty="0" smtClean="0"/>
+              <a:t>法による予想では約</a:t>
+            </a:r>
+            <a:r>
+              <a:rPr lang="en-US" altLang="ja-JP" dirty="0" smtClean="0"/>
+              <a:t>16%</a:t>
+            </a:r>
+            <a:r>
+              <a:rPr lang="ja-JP" altLang="en-US" dirty="0" smtClean="0"/>
+              <a:t>ほどの精度が期待できた。</a:t>
+            </a:r>
+            <a:endParaRPr lang="en-US" altLang="ja-JP" dirty="0" smtClean="0"/>
+          </a:p>
+          <a:p>
+            <a:r>
+              <a:rPr lang="en-US" altLang="ja-JP" dirty="0" smtClean="0"/>
+              <a:t>K-means</a:t>
+            </a:r>
+            <a:r>
+              <a:rPr lang="ja-JP" altLang="en-US" dirty="0" smtClean="0"/>
+              <a:t>法に類似度を考慮して重み付けをした予想を行った結果</a:t>
             </a:r>
             <a:r>
               <a:rPr lang="en-US" altLang="ja-JP" dirty="0" smtClean="0"/>
               <a:t>2</a:t>
             </a:r>
-            <a:endParaRPr kumimoji="1" lang="ja-JP" altLang="en-US" dirty="0"/>
-          </a:p>
-        </p:txBody>
-      </p:sp>
-      <p:sp>
-        <p:nvSpPr>
-          <p:cNvPr id="5" name="サブタイトル 4"/>
-          <p:cNvSpPr>
-            <a:spLocks noGrp="1"/>
-          </p:cNvSpPr>
-          <p:nvPr>
-            <p:ph type="subTitle" idx="1"/>
-          </p:nvPr>
-        </p:nvSpPr>
-        <p:spPr/>
-        <p:txBody>
-          <a:bodyPr/>
-          <a:lstStyle/>
-          <a:p>
-            <a:endParaRPr kumimoji="1" lang="ja-JP" altLang="en-US"/>
+            <a:r>
+              <a:rPr lang="ja-JP" altLang="en-US" dirty="0" smtClean="0"/>
+              <a:t>～</a:t>
+            </a:r>
+            <a:r>
+              <a:rPr lang="en-US" altLang="ja-JP" dirty="0"/>
+              <a:t>4</a:t>
+            </a:r>
+            <a:r>
+              <a:rPr lang="en-US" altLang="ja-JP" dirty="0" smtClean="0"/>
+              <a:t>%</a:t>
+            </a:r>
+            <a:r>
+              <a:rPr lang="ja-JP" altLang="en-US" dirty="0" smtClean="0"/>
+              <a:t>の精度の向上がみられた。</a:t>
+            </a:r>
+            <a:endParaRPr lang="en-US" altLang="ja-JP" dirty="0" smtClean="0"/>
           </a:p>
         </p:txBody>
       </p:sp>
     </p:spTree>
     <p:extLst>
       <p:ext uri="{BB962C8B-B14F-4D97-AF65-F5344CB8AC3E}">
-        <p14:creationId xmlns:p14="http://schemas.microsoft.com/office/powerpoint/2010/main" val="2389672951"/>
+        <p14:creationId xmlns:p14="http://schemas.microsoft.com/office/powerpoint/2010/main" val="1544633099"/>
       </p:ext>
     </p:extLst>
   </p:cSld>
